--- a/KDD_Poster.pptx
+++ b/KDD_Poster.pptx
@@ -208,7 +208,7 @@
           <a:p>
             <a:fld id="{92233559-C41C-6046-86E4-62F765FA69E4}" type="datetimeFigureOut">
               <a:rPr lang="en-US" smtClean="0"/>
-              <a:t>8/3/23</a:t>
+              <a:t>8/4/23</a:t>
             </a:fld>
             <a:endParaRPr lang="en-US"/>
           </a:p>
@@ -606,7 +606,7 @@
           <a:p>
             <a:fld id="{822C7B0B-FA6A-8E4D-8075-A51FD3C81728}" type="datetimeFigureOut">
               <a:rPr lang="en-US" smtClean="0"/>
-              <a:t>8/3/23</a:t>
+              <a:t>8/4/23</a:t>
             </a:fld>
             <a:endParaRPr lang="en-US"/>
           </a:p>
@@ -776,7 +776,7 @@
           <a:p>
             <a:fld id="{822C7B0B-FA6A-8E4D-8075-A51FD3C81728}" type="datetimeFigureOut">
               <a:rPr lang="en-US" smtClean="0"/>
-              <a:t>8/3/23</a:t>
+              <a:t>8/4/23</a:t>
             </a:fld>
             <a:endParaRPr lang="en-US"/>
           </a:p>
@@ -956,7 +956,7 @@
           <a:p>
             <a:fld id="{822C7B0B-FA6A-8E4D-8075-A51FD3C81728}" type="datetimeFigureOut">
               <a:rPr lang="en-US" smtClean="0"/>
-              <a:t>8/3/23</a:t>
+              <a:t>8/4/23</a:t>
             </a:fld>
             <a:endParaRPr lang="en-US"/>
           </a:p>
@@ -1126,7 +1126,7 @@
           <a:p>
             <a:fld id="{822C7B0B-FA6A-8E4D-8075-A51FD3C81728}" type="datetimeFigureOut">
               <a:rPr lang="en-US" smtClean="0"/>
-              <a:t>8/3/23</a:t>
+              <a:t>8/4/23</a:t>
             </a:fld>
             <a:endParaRPr lang="en-US"/>
           </a:p>
@@ -1370,7 +1370,7 @@
           <a:p>
             <a:fld id="{822C7B0B-FA6A-8E4D-8075-A51FD3C81728}" type="datetimeFigureOut">
               <a:rPr lang="en-US" smtClean="0"/>
-              <a:t>8/3/23</a:t>
+              <a:t>8/4/23</a:t>
             </a:fld>
             <a:endParaRPr lang="en-US"/>
           </a:p>
@@ -1602,7 +1602,7 @@
           <a:p>
             <a:fld id="{822C7B0B-FA6A-8E4D-8075-A51FD3C81728}" type="datetimeFigureOut">
               <a:rPr lang="en-US" smtClean="0"/>
-              <a:t>8/3/23</a:t>
+              <a:t>8/4/23</a:t>
             </a:fld>
             <a:endParaRPr lang="en-US"/>
           </a:p>
@@ -1969,7 +1969,7 @@
           <a:p>
             <a:fld id="{822C7B0B-FA6A-8E4D-8075-A51FD3C81728}" type="datetimeFigureOut">
               <a:rPr lang="en-US" smtClean="0"/>
-              <a:t>8/3/23</a:t>
+              <a:t>8/4/23</a:t>
             </a:fld>
             <a:endParaRPr lang="en-US"/>
           </a:p>
@@ -2087,7 +2087,7 @@
           <a:p>
             <a:fld id="{822C7B0B-FA6A-8E4D-8075-A51FD3C81728}" type="datetimeFigureOut">
               <a:rPr lang="en-US" smtClean="0"/>
-              <a:t>8/3/23</a:t>
+              <a:t>8/4/23</a:t>
             </a:fld>
             <a:endParaRPr lang="en-US"/>
           </a:p>
@@ -2182,7 +2182,7 @@
           <a:p>
             <a:fld id="{822C7B0B-FA6A-8E4D-8075-A51FD3C81728}" type="datetimeFigureOut">
               <a:rPr lang="en-US" smtClean="0"/>
-              <a:t>8/3/23</a:t>
+              <a:t>8/4/23</a:t>
             </a:fld>
             <a:endParaRPr lang="en-US"/>
           </a:p>
@@ -2459,7 +2459,7 @@
           <a:p>
             <a:fld id="{822C7B0B-FA6A-8E4D-8075-A51FD3C81728}" type="datetimeFigureOut">
               <a:rPr lang="en-US" smtClean="0"/>
-              <a:t>8/3/23</a:t>
+              <a:t>8/4/23</a:t>
             </a:fld>
             <a:endParaRPr lang="en-US"/>
           </a:p>
@@ -2716,7 +2716,7 @@
           <a:p>
             <a:fld id="{822C7B0B-FA6A-8E4D-8075-A51FD3C81728}" type="datetimeFigureOut">
               <a:rPr lang="en-US" smtClean="0"/>
-              <a:t>8/3/23</a:t>
+              <a:t>8/4/23</a:t>
             </a:fld>
             <a:endParaRPr lang="en-US"/>
           </a:p>
@@ -2929,7 +2929,7 @@
           <a:p>
             <a:fld id="{822C7B0B-FA6A-8E4D-8075-A51FD3C81728}" type="datetimeFigureOut">
               <a:rPr lang="en-US" smtClean="0"/>
-              <a:t>8/3/23</a:t>
+              <a:t>8/4/23</a:t>
             </a:fld>
             <a:endParaRPr lang="en-US"/>
           </a:p>
@@ -3348,7 +3348,7 @@
         </p:nvSpPr>
         <p:spPr>
           <a:xfrm>
-            <a:off x="29531142" y="23332816"/>
+            <a:off x="29091857" y="23522102"/>
             <a:ext cx="5891073" cy="988686"/>
           </a:xfrm>
           <a:prstGeom prst="roundRect">
@@ -3410,7 +3410,7 @@
         </p:nvSpPr>
         <p:spPr>
           <a:xfrm>
-            <a:off x="29554750" y="22082973"/>
+            <a:off x="29081598" y="22272259"/>
             <a:ext cx="7706287" cy="988686"/>
           </a:xfrm>
           <a:prstGeom prst="roundRect">
@@ -3487,7 +3487,7 @@
         </p:blipFill>
         <p:spPr bwMode="auto">
           <a:xfrm>
-            <a:off x="1291547" y="30506774"/>
+            <a:off x="1291547" y="30225422"/>
             <a:ext cx="5295666" cy="2157984"/>
           </a:xfrm>
           <a:prstGeom prst="rect">
@@ -3574,7 +3574,7 @@
         </p:blipFill>
         <p:spPr>
           <a:xfrm>
-            <a:off x="39152943" y="30253132"/>
+            <a:off x="38191433" y="29781984"/>
             <a:ext cx="4738255" cy="2665268"/>
           </a:xfrm>
           <a:prstGeom prst="rect">
@@ -3868,7 +3868,7 @@
         </p:nvSpPr>
         <p:spPr>
           <a:xfrm>
-            <a:off x="830161" y="5715423"/>
+            <a:off x="750848" y="5716056"/>
             <a:ext cx="13301354" cy="923330"/>
           </a:xfrm>
           <a:prstGeom prst="rect">
@@ -3926,7 +3926,7 @@
         </p:nvSpPr>
         <p:spPr>
           <a:xfrm>
-            <a:off x="830161" y="13006314"/>
+            <a:off x="558302" y="13075460"/>
             <a:ext cx="11039768" cy="923330"/>
           </a:xfrm>
           <a:prstGeom prst="rect">
@@ -3969,7 +3969,7 @@
         </p:nvGrpSpPr>
         <p:grpSpPr>
           <a:xfrm>
-            <a:off x="830161" y="12168364"/>
+            <a:off x="558302" y="12237510"/>
             <a:ext cx="13021665" cy="236550"/>
             <a:chOff x="1291547" y="7743488"/>
             <a:chExt cx="40867566" cy="236550"/>
@@ -4146,7 +4146,7 @@
         </p:nvSpPr>
         <p:spPr>
           <a:xfrm>
-            <a:off x="1089297" y="21072231"/>
+            <a:off x="817438" y="21141377"/>
             <a:ext cx="11039768" cy="923330"/>
           </a:xfrm>
           <a:prstGeom prst="rect">
@@ -4189,7 +4189,7 @@
         </p:nvGrpSpPr>
         <p:grpSpPr>
           <a:xfrm>
-            <a:off x="867707" y="20249302"/>
+            <a:off x="595848" y="20318448"/>
             <a:ext cx="13021665" cy="236550"/>
             <a:chOff x="1291547" y="7743488"/>
             <a:chExt cx="40867566" cy="236550"/>
@@ -4366,7 +4366,7 @@
         </p:nvSpPr>
         <p:spPr>
           <a:xfrm>
-            <a:off x="29017564" y="5716930"/>
+            <a:off x="28662185" y="5708652"/>
             <a:ext cx="11039768" cy="923330"/>
           </a:xfrm>
           <a:prstGeom prst="rect">
@@ -4439,7 +4439,7 @@
         </p:blipFill>
         <p:spPr>
           <a:xfrm>
-            <a:off x="14319670" y="30497141"/>
+            <a:off x="14319670" y="30215789"/>
             <a:ext cx="2177249" cy="2177249"/>
           </a:xfrm>
           <a:prstGeom prst="rect">
@@ -4463,7 +4463,7 @@
             </p:nvSpPr>
             <p:spPr>
               <a:xfrm>
-                <a:off x="1497832" y="8809169"/>
+                <a:off x="1718339" y="8878315"/>
                 <a:ext cx="1712244" cy="492443"/>
               </a:xfrm>
               <a:prstGeom prst="rect">
@@ -4550,7 +4550,7 @@
             </p:nvSpPr>
             <p:spPr>
               <a:xfrm>
-                <a:off x="1497832" y="8809169"/>
+                <a:off x="1718339" y="8878315"/>
                 <a:ext cx="1712244" cy="492443"/>
               </a:xfrm>
               <a:prstGeom prst="rect">
@@ -4559,7 +4559,7 @@
               <a:blipFill>
                 <a:blip r:embed="rId7"/>
                 <a:stretch>
-                  <a:fillRect l="-8148" r="-5185" b="-32500"/>
+                  <a:fillRect l="-8088" r="-4412" b="-32500"/>
                 </a:stretch>
               </a:blipFill>
             </p:spPr>
@@ -4592,7 +4592,7 @@
         </p:nvGrpSpPr>
         <p:grpSpPr>
           <a:xfrm>
-            <a:off x="1059468" y="7355202"/>
+            <a:off x="1279975" y="7424348"/>
             <a:ext cx="3698902" cy="1151325"/>
             <a:chOff x="1059468" y="8041002"/>
             <a:chExt cx="3698902" cy="1151325"/>
@@ -4776,7 +4776,7 @@
         </p:nvGrpSpPr>
         <p:grpSpPr>
           <a:xfrm>
-            <a:off x="843605" y="9604255"/>
+            <a:off x="1064112" y="9673401"/>
             <a:ext cx="4000105" cy="1198402"/>
             <a:chOff x="6587213" y="8258451"/>
             <a:chExt cx="4000105" cy="1198402"/>
@@ -4978,7 +4978,7 @@
         </p:nvCxnSpPr>
         <p:spPr>
           <a:xfrm>
-            <a:off x="3668994" y="8509151"/>
+            <a:off x="3889501" y="8578297"/>
             <a:ext cx="0" cy="1207501"/>
           </a:xfrm>
           <a:prstGeom prst="straightConnector1">
@@ -5123,7 +5123,7 @@
         </p:nvSpPr>
         <p:spPr>
           <a:xfrm>
-            <a:off x="1291547" y="14628073"/>
+            <a:off x="1019688" y="14697219"/>
             <a:ext cx="12520080" cy="4832092"/>
           </a:xfrm>
           <a:prstGeom prst="rect">
@@ -5313,7 +5313,7 @@
             </p:nvSpPr>
             <p:spPr>
               <a:xfrm>
-                <a:off x="1291547" y="22740842"/>
+                <a:off x="1019688" y="22809988"/>
                 <a:ext cx="12520080" cy="6186309"/>
               </a:xfrm>
               <a:prstGeom prst="rect">
@@ -5494,7 +5494,7 @@
             </p:nvSpPr>
             <p:spPr>
               <a:xfrm>
-                <a:off x="1291547" y="22740842"/>
+                <a:off x="1019688" y="22809988"/>
                 <a:ext cx="12520080" cy="6186309"/>
               </a:xfrm>
               <a:prstGeom prst="rect">
@@ -5503,7 +5503,7 @@
               <a:blipFill>
                 <a:blip r:embed="rId15"/>
                 <a:stretch>
-                  <a:fillRect l="-1722" t="-2049" r="-912" b="-3689"/>
+                  <a:fillRect l="-1824" t="-2049" r="-811" b="-3689"/>
                 </a:stretch>
               </a:blipFill>
             </p:spPr>
@@ -5536,7 +5536,7 @@
         </p:nvGrpSpPr>
         <p:grpSpPr>
           <a:xfrm>
-            <a:off x="15046859" y="13708722"/>
+            <a:off x="14574687" y="13809896"/>
             <a:ext cx="13205247" cy="7266152"/>
             <a:chOff x="15361329" y="13120656"/>
             <a:chExt cx="13205247" cy="7266152"/>
@@ -7269,7 +7269,7 @@
         </p:nvSpPr>
         <p:spPr>
           <a:xfrm>
-            <a:off x="15081852" y="5713292"/>
+            <a:off x="14471474" y="5713171"/>
             <a:ext cx="11039768" cy="923330"/>
           </a:xfrm>
           <a:prstGeom prst="rect">
@@ -7312,7 +7312,7 @@
         </p:nvGrpSpPr>
         <p:grpSpPr>
           <a:xfrm>
-            <a:off x="15081852" y="6965664"/>
+            <a:off x="14609680" y="6963303"/>
             <a:ext cx="15278008" cy="3777038"/>
             <a:chOff x="15285573" y="8106615"/>
             <a:chExt cx="15278008" cy="3777038"/>
@@ -8142,8 +8142,8 @@
                 <a:chExt cx="15480021" cy="430887"/>
               </a:xfrm>
             </p:grpSpPr>
-            <mc:AlternateContent xmlns:mc="http://schemas.openxmlformats.org/markup-compatibility/2006">
-              <mc:Choice xmlns:a14="http://schemas.microsoft.com/office/drawing/2010/main" Requires="a14">
+            <mc:AlternateContent xmlns:mc="http://schemas.openxmlformats.org/markup-compatibility/2006" xmlns:a14="http://schemas.microsoft.com/office/drawing/2010/main">
+              <mc:Choice Requires="a14">
                 <p:sp>
                   <p:nvSpPr>
                     <p:cNvPr id="1233" name="TextBox 1232">
@@ -8253,7 +8253,7 @@
                   </p:txBody>
                 </p:sp>
               </mc:Choice>
-              <mc:Fallback>
+              <mc:Fallback xmlns="">
                 <p:sp>
                   <p:nvSpPr>
                     <p:cNvPr id="1233" name="TextBox 1232">
@@ -8433,7 +8433,7 @@
         </p:nvGrpSpPr>
         <p:grpSpPr>
           <a:xfrm>
-            <a:off x="28968229" y="15580696"/>
+            <a:off x="28662185" y="15333231"/>
             <a:ext cx="14323832" cy="236550"/>
             <a:chOff x="1291547" y="7743488"/>
             <a:chExt cx="40867566" cy="236550"/>
@@ -8610,7 +8610,7 @@
         </p:nvSpPr>
         <p:spPr>
           <a:xfrm>
-            <a:off x="14991281" y="12095738"/>
+            <a:off x="14519109" y="12196912"/>
             <a:ext cx="11039768" cy="923330"/>
           </a:xfrm>
           <a:prstGeom prst="rect">
@@ -8653,7 +8653,7 @@
         </p:nvGrpSpPr>
         <p:grpSpPr>
           <a:xfrm>
-            <a:off x="15149167" y="21697600"/>
+            <a:off x="14609680" y="22035843"/>
             <a:ext cx="13021665" cy="236550"/>
             <a:chOff x="1291547" y="7743488"/>
             <a:chExt cx="40867566" cy="236550"/>
@@ -8830,7 +8830,7 @@
         </p:nvSpPr>
         <p:spPr>
           <a:xfrm>
-            <a:off x="15025651" y="22256000"/>
+            <a:off x="14553479" y="22492642"/>
             <a:ext cx="11039768" cy="923330"/>
           </a:xfrm>
           <a:prstGeom prst="rect">
@@ -8873,7 +8873,7 @@
         </p:nvSpPr>
         <p:spPr>
           <a:xfrm>
-            <a:off x="29047439" y="10159623"/>
+            <a:off x="28677570" y="9943822"/>
             <a:ext cx="11039768" cy="923330"/>
           </a:xfrm>
           <a:prstGeom prst="rect">
@@ -8916,7 +8916,7 @@
         </p:nvSpPr>
         <p:spPr>
           <a:xfrm>
-            <a:off x="29185505" y="16166949"/>
+            <a:off x="28677570" y="15887028"/>
             <a:ext cx="11039768" cy="923330"/>
           </a:xfrm>
           <a:prstGeom prst="rect">
@@ -8961,7 +8961,7 @@
         </p:nvSpPr>
         <p:spPr>
           <a:xfrm>
-            <a:off x="29475688" y="20797844"/>
+            <a:off x="28762911" y="20886009"/>
             <a:ext cx="11039768" cy="923330"/>
           </a:xfrm>
           <a:prstGeom prst="rect">
@@ -8999,7 +8999,7 @@
         </p:nvGrpSpPr>
         <p:grpSpPr>
           <a:xfrm>
-            <a:off x="28966939" y="9475915"/>
+            <a:off x="28662185" y="9464799"/>
             <a:ext cx="14323832" cy="236550"/>
             <a:chOff x="1291547" y="7743488"/>
             <a:chExt cx="40867566" cy="236550"/>
@@ -9176,7 +9176,7 @@
         </p:nvGrpSpPr>
         <p:grpSpPr>
           <a:xfrm>
-            <a:off x="29024435" y="20401662"/>
+            <a:off x="28719681" y="20390546"/>
             <a:ext cx="14323832" cy="236550"/>
             <a:chOff x="1291547" y="7743488"/>
             <a:chExt cx="40867566" cy="236550"/>
@@ -9353,7 +9353,7 @@
         </p:nvGrpSpPr>
         <p:grpSpPr>
           <a:xfrm>
-            <a:off x="15025651" y="11389488"/>
+            <a:off x="14553479" y="11659997"/>
             <a:ext cx="13021665" cy="236550"/>
             <a:chOff x="1291547" y="7743488"/>
             <a:chExt cx="40867566" cy="236550"/>
@@ -9538,7 +9538,7 @@
         </p:blipFill>
         <p:spPr>
           <a:xfrm>
-            <a:off x="23221771" y="28618899"/>
+            <a:off x="23221771" y="28302378"/>
             <a:ext cx="9602632" cy="5401480"/>
           </a:xfrm>
           <a:prstGeom prst="rect">
@@ -9560,7 +9560,7 @@
         </p:nvGrpSpPr>
         <p:grpSpPr>
           <a:xfrm>
-            <a:off x="14691916" y="24697383"/>
+            <a:off x="14219744" y="24723011"/>
             <a:ext cx="13978275" cy="4929918"/>
             <a:chOff x="14923799" y="25807672"/>
             <a:chExt cx="13037113" cy="3965559"/>
@@ -9649,8 +9649,8 @@
         </p:blipFill>
         <p:spPr>
           <a:xfrm>
-            <a:off x="28929256" y="6715385"/>
-            <a:ext cx="13902476" cy="2282155"/>
+            <a:off x="28624502" y="6704270"/>
+            <a:ext cx="13686188" cy="2246650"/>
           </a:xfrm>
           <a:prstGeom prst="rect">
             <a:avLst/>
@@ -9671,7 +9671,7 @@
         </p:nvSpPr>
         <p:spPr>
           <a:xfrm>
-            <a:off x="15025651" y="23322959"/>
+            <a:off x="14553479" y="23559601"/>
             <a:ext cx="13474754" cy="1938992"/>
           </a:xfrm>
           <a:prstGeom prst="rect">
@@ -9752,7 +9752,7 @@
         </p:nvSpPr>
         <p:spPr>
           <a:xfrm>
-            <a:off x="15028882" y="23759856"/>
+            <a:off x="14556710" y="23996498"/>
             <a:ext cx="12652770" cy="707886"/>
           </a:xfrm>
           <a:prstGeom prst="rect">
@@ -9804,7 +9804,7 @@
         </p:nvSpPr>
         <p:spPr>
           <a:xfrm>
-            <a:off x="36583287" y="11417346"/>
+            <a:off x="36225465" y="11201756"/>
             <a:ext cx="6451013" cy="2862322"/>
           </a:xfrm>
           <a:prstGeom prst="rect">
@@ -9880,7 +9880,7 @@
         </p:nvSpPr>
         <p:spPr>
           <a:xfrm>
-            <a:off x="36468996" y="13490285"/>
+            <a:off x="36225465" y="13173214"/>
             <a:ext cx="7341382" cy="1200329"/>
           </a:xfrm>
           <a:prstGeom prst="rect">
@@ -9930,7 +9930,7 @@
         </p:blipFill>
         <p:spPr>
           <a:xfrm>
-            <a:off x="28982324" y="11132957"/>
+            <a:off x="28624502" y="10917367"/>
             <a:ext cx="7166272" cy="3883632"/>
           </a:xfrm>
           <a:prstGeom prst="rect">
@@ -9952,7 +9952,7 @@
         </p:nvGrpSpPr>
         <p:grpSpPr>
           <a:xfrm>
-            <a:off x="29161921" y="25119477"/>
+            <a:off x="28857167" y="25108361"/>
             <a:ext cx="14323832" cy="236550"/>
             <a:chOff x="1291547" y="7743488"/>
             <a:chExt cx="40867566" cy="236550"/>
@@ -10129,7 +10129,7 @@
         </p:nvSpPr>
         <p:spPr>
           <a:xfrm>
-            <a:off x="29519912" y="25705730"/>
+            <a:off x="28857167" y="25702228"/>
             <a:ext cx="11037597" cy="923330"/>
           </a:xfrm>
           <a:prstGeom prst="rect">
@@ -10171,7 +10171,7 @@
         </p:nvSpPr>
         <p:spPr>
           <a:xfrm>
-            <a:off x="36767924" y="17232454"/>
+            <a:off x="36439699" y="17085835"/>
             <a:ext cx="5847520" cy="2400627"/>
           </a:xfrm>
           <a:prstGeom prst="rect">
@@ -10272,7 +10272,7 @@
         </p:blipFill>
         <p:spPr>
           <a:xfrm>
-            <a:off x="29553224" y="22237799"/>
+            <a:off x="29113939" y="22427085"/>
             <a:ext cx="7772400" cy="827267"/>
           </a:xfrm>
           <a:prstGeom prst="rect">
@@ -10296,7 +10296,7 @@
             </p:nvSpPr>
             <p:spPr>
               <a:xfrm>
-                <a:off x="29712902" y="23536811"/>
+                <a:off x="29273617" y="23726097"/>
                 <a:ext cx="5528500" cy="615553"/>
               </a:xfrm>
               <a:prstGeom prst="rect">
@@ -10310,6 +10310,7 @@
               </a:bodyPr>
               <a:lstStyle/>
               <a:p>
+                <a:pPr/>
                 <a14:m>
                   <m:oMathPara xmlns:m="http://schemas.openxmlformats.org/officeDocument/2006/math">
                     <m:oMathParaPr>
@@ -10405,7 +10406,7 @@
             </p:nvSpPr>
             <p:spPr>
               <a:xfrm>
-                <a:off x="29712902" y="23536811"/>
+                <a:off x="29273617" y="23726097"/>
                 <a:ext cx="5528500" cy="615553"/>
               </a:xfrm>
               <a:prstGeom prst="rect">
@@ -10414,7 +10415,7 @@
               <a:blipFill>
                 <a:blip r:embed="rId25"/>
                 <a:stretch>
-                  <a:fillRect l="-688" b="-16327"/>
+                  <a:fillRect l="-686" b="-16327"/>
                 </a:stretch>
               </a:blipFill>
             </p:spPr>
@@ -10447,7 +10448,7 @@
         </p:nvSpPr>
         <p:spPr>
           <a:xfrm>
-            <a:off x="37390863" y="21978567"/>
+            <a:off x="36951578" y="22167853"/>
             <a:ext cx="5837558" cy="1200329"/>
           </a:xfrm>
           <a:prstGeom prst="rect">
@@ -10504,7 +10505,7 @@
         </p:nvSpPr>
         <p:spPr>
           <a:xfrm>
-            <a:off x="35607031" y="23293808"/>
+            <a:off x="35167746" y="23483094"/>
             <a:ext cx="7367489" cy="1200329"/>
           </a:xfrm>
           <a:prstGeom prst="rect">
@@ -10569,7 +10570,7 @@
         </p:blipFill>
         <p:spPr>
           <a:xfrm>
-            <a:off x="29091136" y="17097515"/>
+            <a:off x="28762911" y="16950896"/>
             <a:ext cx="7604241" cy="2864021"/>
           </a:xfrm>
           <a:prstGeom prst="rect">
@@ -10591,7 +10592,7 @@
         </p:nvGrpSpPr>
         <p:grpSpPr>
           <a:xfrm>
-            <a:off x="29477214" y="26824897"/>
+            <a:off x="29048468" y="26785910"/>
             <a:ext cx="14019232" cy="2776182"/>
             <a:chOff x="29485518" y="27112472"/>
             <a:chExt cx="14019232" cy="2776182"/>
@@ -10650,7 +10651,7 @@
                   <a:latin typeface="Arial" panose="020B0604020202020204" pitchFamily="34" charset="0"/>
                   <a:cs typeface="Arial" panose="020B0604020202020204" pitchFamily="34" charset="0"/>
                 </a:rPr>
-                <a:t>Reject option (null set) for more trustworthy model.</a:t>
+                <a:t>Reject option (null set) for a more trustworthy model.</a:t>
               </a:r>
             </a:p>
           </p:txBody>
@@ -10833,8 +10834,8 @@
         </p:nvGrpSpPr>
         <p:grpSpPr>
           <a:xfrm>
-            <a:off x="129488" y="29975256"/>
-            <a:ext cx="43632224" cy="236550"/>
+            <a:off x="129488" y="29853087"/>
+            <a:ext cx="43632224" cy="121386"/>
             <a:chOff x="1291547" y="7743488"/>
             <a:chExt cx="40867566" cy="236550"/>
           </a:xfrm>

--- a/KDD_Poster.pptx
+++ b/KDD_Poster.pptx
@@ -208,7 +208,7 @@
           <a:p>
             <a:fld id="{92233559-C41C-6046-86E4-62F765FA69E4}" type="datetimeFigureOut">
               <a:rPr lang="en-US" smtClean="0"/>
-              <a:t>8/4/23</a:t>
+              <a:t>8/3/23</a:t>
             </a:fld>
             <a:endParaRPr lang="en-US"/>
           </a:p>
@@ -606,7 +606,7 @@
           <a:p>
             <a:fld id="{822C7B0B-FA6A-8E4D-8075-A51FD3C81728}" type="datetimeFigureOut">
               <a:rPr lang="en-US" smtClean="0"/>
-              <a:t>8/4/23</a:t>
+              <a:t>8/3/23</a:t>
             </a:fld>
             <a:endParaRPr lang="en-US"/>
           </a:p>
@@ -776,7 +776,7 @@
           <a:p>
             <a:fld id="{822C7B0B-FA6A-8E4D-8075-A51FD3C81728}" type="datetimeFigureOut">
               <a:rPr lang="en-US" smtClean="0"/>
-              <a:t>8/4/23</a:t>
+              <a:t>8/3/23</a:t>
             </a:fld>
             <a:endParaRPr lang="en-US"/>
           </a:p>
@@ -956,7 +956,7 @@
           <a:p>
             <a:fld id="{822C7B0B-FA6A-8E4D-8075-A51FD3C81728}" type="datetimeFigureOut">
               <a:rPr lang="en-US" smtClean="0"/>
-              <a:t>8/4/23</a:t>
+              <a:t>8/3/23</a:t>
             </a:fld>
             <a:endParaRPr lang="en-US"/>
           </a:p>
@@ -1126,7 +1126,7 @@
           <a:p>
             <a:fld id="{822C7B0B-FA6A-8E4D-8075-A51FD3C81728}" type="datetimeFigureOut">
               <a:rPr lang="en-US" smtClean="0"/>
-              <a:t>8/4/23</a:t>
+              <a:t>8/3/23</a:t>
             </a:fld>
             <a:endParaRPr lang="en-US"/>
           </a:p>
@@ -1370,7 +1370,7 @@
           <a:p>
             <a:fld id="{822C7B0B-FA6A-8E4D-8075-A51FD3C81728}" type="datetimeFigureOut">
               <a:rPr lang="en-US" smtClean="0"/>
-              <a:t>8/4/23</a:t>
+              <a:t>8/3/23</a:t>
             </a:fld>
             <a:endParaRPr lang="en-US"/>
           </a:p>
@@ -1602,7 +1602,7 @@
           <a:p>
             <a:fld id="{822C7B0B-FA6A-8E4D-8075-A51FD3C81728}" type="datetimeFigureOut">
               <a:rPr lang="en-US" smtClean="0"/>
-              <a:t>8/4/23</a:t>
+              <a:t>8/3/23</a:t>
             </a:fld>
             <a:endParaRPr lang="en-US"/>
           </a:p>
@@ -1969,7 +1969,7 @@
           <a:p>
             <a:fld id="{822C7B0B-FA6A-8E4D-8075-A51FD3C81728}" type="datetimeFigureOut">
               <a:rPr lang="en-US" smtClean="0"/>
-              <a:t>8/4/23</a:t>
+              <a:t>8/3/23</a:t>
             </a:fld>
             <a:endParaRPr lang="en-US"/>
           </a:p>
@@ -2087,7 +2087,7 @@
           <a:p>
             <a:fld id="{822C7B0B-FA6A-8E4D-8075-A51FD3C81728}" type="datetimeFigureOut">
               <a:rPr lang="en-US" smtClean="0"/>
-              <a:t>8/4/23</a:t>
+              <a:t>8/3/23</a:t>
             </a:fld>
             <a:endParaRPr lang="en-US"/>
           </a:p>
@@ -2182,7 +2182,7 @@
           <a:p>
             <a:fld id="{822C7B0B-FA6A-8E4D-8075-A51FD3C81728}" type="datetimeFigureOut">
               <a:rPr lang="en-US" smtClean="0"/>
-              <a:t>8/4/23</a:t>
+              <a:t>8/3/23</a:t>
             </a:fld>
             <a:endParaRPr lang="en-US"/>
           </a:p>
@@ -2459,7 +2459,7 @@
           <a:p>
             <a:fld id="{822C7B0B-FA6A-8E4D-8075-A51FD3C81728}" type="datetimeFigureOut">
               <a:rPr lang="en-US" smtClean="0"/>
-              <a:t>8/4/23</a:t>
+              <a:t>8/3/23</a:t>
             </a:fld>
             <a:endParaRPr lang="en-US"/>
           </a:p>
@@ -2716,7 +2716,7 @@
           <a:p>
             <a:fld id="{822C7B0B-FA6A-8E4D-8075-A51FD3C81728}" type="datetimeFigureOut">
               <a:rPr lang="en-US" smtClean="0"/>
-              <a:t>8/4/23</a:t>
+              <a:t>8/3/23</a:t>
             </a:fld>
             <a:endParaRPr lang="en-US"/>
           </a:p>
@@ -2929,7 +2929,7 @@
           <a:p>
             <a:fld id="{822C7B0B-FA6A-8E4D-8075-A51FD3C81728}" type="datetimeFigureOut">
               <a:rPr lang="en-US" smtClean="0"/>
-              <a:t>8/4/23</a:t>
+              <a:t>8/3/23</a:t>
             </a:fld>
             <a:endParaRPr lang="en-US"/>
           </a:p>
@@ -3348,7 +3348,7 @@
         </p:nvSpPr>
         <p:spPr>
           <a:xfrm>
-            <a:off x="29091857" y="23522102"/>
+            <a:off x="29531142" y="23332816"/>
             <a:ext cx="5891073" cy="988686"/>
           </a:xfrm>
           <a:prstGeom prst="roundRect">
@@ -3410,7 +3410,7 @@
         </p:nvSpPr>
         <p:spPr>
           <a:xfrm>
-            <a:off x="29081598" y="22272259"/>
+            <a:off x="29554750" y="22082973"/>
             <a:ext cx="7706287" cy="988686"/>
           </a:xfrm>
           <a:prstGeom prst="roundRect">
@@ -3487,7 +3487,7 @@
         </p:blipFill>
         <p:spPr bwMode="auto">
           <a:xfrm>
-            <a:off x="1291547" y="30225422"/>
+            <a:off x="1291547" y="30506774"/>
             <a:ext cx="5295666" cy="2157984"/>
           </a:xfrm>
           <a:prstGeom prst="rect">
@@ -3574,7 +3574,7 @@
         </p:blipFill>
         <p:spPr>
           <a:xfrm>
-            <a:off x="38191433" y="29781984"/>
+            <a:off x="39152943" y="30253132"/>
             <a:ext cx="4738255" cy="2665268"/>
           </a:xfrm>
           <a:prstGeom prst="rect">
@@ -3868,7 +3868,7 @@
         </p:nvSpPr>
         <p:spPr>
           <a:xfrm>
-            <a:off x="750848" y="5716056"/>
+            <a:off x="830161" y="5715423"/>
             <a:ext cx="13301354" cy="923330"/>
           </a:xfrm>
           <a:prstGeom prst="rect">
@@ -3926,7 +3926,7 @@
         </p:nvSpPr>
         <p:spPr>
           <a:xfrm>
-            <a:off x="558302" y="13075460"/>
+            <a:off x="830161" y="13006314"/>
             <a:ext cx="11039768" cy="923330"/>
           </a:xfrm>
           <a:prstGeom prst="rect">
@@ -3969,7 +3969,7 @@
         </p:nvGrpSpPr>
         <p:grpSpPr>
           <a:xfrm>
-            <a:off x="558302" y="12237510"/>
+            <a:off x="830161" y="12168364"/>
             <a:ext cx="13021665" cy="236550"/>
             <a:chOff x="1291547" y="7743488"/>
             <a:chExt cx="40867566" cy="236550"/>
@@ -4146,7 +4146,7 @@
         </p:nvSpPr>
         <p:spPr>
           <a:xfrm>
-            <a:off x="817438" y="21141377"/>
+            <a:off x="1089297" y="21072231"/>
             <a:ext cx="11039768" cy="923330"/>
           </a:xfrm>
           <a:prstGeom prst="rect">
@@ -4189,7 +4189,7 @@
         </p:nvGrpSpPr>
         <p:grpSpPr>
           <a:xfrm>
-            <a:off x="595848" y="20318448"/>
+            <a:off x="867707" y="20249302"/>
             <a:ext cx="13021665" cy="236550"/>
             <a:chOff x="1291547" y="7743488"/>
             <a:chExt cx="40867566" cy="236550"/>
@@ -4366,7 +4366,7 @@
         </p:nvSpPr>
         <p:spPr>
           <a:xfrm>
-            <a:off x="28662185" y="5708652"/>
+            <a:off x="29017564" y="5716930"/>
             <a:ext cx="11039768" cy="923330"/>
           </a:xfrm>
           <a:prstGeom prst="rect">
@@ -4439,7 +4439,7 @@
         </p:blipFill>
         <p:spPr>
           <a:xfrm>
-            <a:off x="14319670" y="30215789"/>
+            <a:off x="14319670" y="30497141"/>
             <a:ext cx="2177249" cy="2177249"/>
           </a:xfrm>
           <a:prstGeom prst="rect">
@@ -4463,7 +4463,7 @@
             </p:nvSpPr>
             <p:spPr>
               <a:xfrm>
-                <a:off x="1718339" y="8878315"/>
+                <a:off x="1497832" y="8809169"/>
                 <a:ext cx="1712244" cy="492443"/>
               </a:xfrm>
               <a:prstGeom prst="rect">
@@ -4550,7 +4550,7 @@
             </p:nvSpPr>
             <p:spPr>
               <a:xfrm>
-                <a:off x="1718339" y="8878315"/>
+                <a:off x="1497832" y="8809169"/>
                 <a:ext cx="1712244" cy="492443"/>
               </a:xfrm>
               <a:prstGeom prst="rect">
@@ -4559,7 +4559,7 @@
               <a:blipFill>
                 <a:blip r:embed="rId7"/>
                 <a:stretch>
-                  <a:fillRect l="-8088" r="-4412" b="-32500"/>
+                  <a:fillRect l="-8148" r="-5185" b="-32500"/>
                 </a:stretch>
               </a:blipFill>
             </p:spPr>
@@ -4592,7 +4592,7 @@
         </p:nvGrpSpPr>
         <p:grpSpPr>
           <a:xfrm>
-            <a:off x="1279975" y="7424348"/>
+            <a:off x="1059468" y="7355202"/>
             <a:ext cx="3698902" cy="1151325"/>
             <a:chOff x="1059468" y="8041002"/>
             <a:chExt cx="3698902" cy="1151325"/>
@@ -4776,7 +4776,7 @@
         </p:nvGrpSpPr>
         <p:grpSpPr>
           <a:xfrm>
-            <a:off x="1064112" y="9673401"/>
+            <a:off x="843605" y="9604255"/>
             <a:ext cx="4000105" cy="1198402"/>
             <a:chOff x="6587213" y="8258451"/>
             <a:chExt cx="4000105" cy="1198402"/>
@@ -4978,7 +4978,7 @@
         </p:nvCxnSpPr>
         <p:spPr>
           <a:xfrm>
-            <a:off x="3889501" y="8578297"/>
+            <a:off x="3668994" y="8509151"/>
             <a:ext cx="0" cy="1207501"/>
           </a:xfrm>
           <a:prstGeom prst="straightConnector1">
@@ -5123,7 +5123,7 @@
         </p:nvSpPr>
         <p:spPr>
           <a:xfrm>
-            <a:off x="1019688" y="14697219"/>
+            <a:off x="1291547" y="14628073"/>
             <a:ext cx="12520080" cy="4832092"/>
           </a:xfrm>
           <a:prstGeom prst="rect">
@@ -5313,7 +5313,7 @@
             </p:nvSpPr>
             <p:spPr>
               <a:xfrm>
-                <a:off x="1019688" y="22809988"/>
+                <a:off x="1291547" y="22740842"/>
                 <a:ext cx="12520080" cy="6186309"/>
               </a:xfrm>
               <a:prstGeom prst="rect">
@@ -5494,7 +5494,7 @@
             </p:nvSpPr>
             <p:spPr>
               <a:xfrm>
-                <a:off x="1019688" y="22809988"/>
+                <a:off x="1291547" y="22740842"/>
                 <a:ext cx="12520080" cy="6186309"/>
               </a:xfrm>
               <a:prstGeom prst="rect">
@@ -5503,7 +5503,7 @@
               <a:blipFill>
                 <a:blip r:embed="rId15"/>
                 <a:stretch>
-                  <a:fillRect l="-1824" t="-2049" r="-811" b="-3689"/>
+                  <a:fillRect l="-1722" t="-2049" r="-912" b="-3689"/>
                 </a:stretch>
               </a:blipFill>
             </p:spPr>
@@ -5536,7 +5536,7 @@
         </p:nvGrpSpPr>
         <p:grpSpPr>
           <a:xfrm>
-            <a:off x="14574687" y="13809896"/>
+            <a:off x="15046859" y="13708722"/>
             <a:ext cx="13205247" cy="7266152"/>
             <a:chOff x="15361329" y="13120656"/>
             <a:chExt cx="13205247" cy="7266152"/>
@@ -7269,7 +7269,7 @@
         </p:nvSpPr>
         <p:spPr>
           <a:xfrm>
-            <a:off x="14471474" y="5713171"/>
+            <a:off x="15081852" y="5713292"/>
             <a:ext cx="11039768" cy="923330"/>
           </a:xfrm>
           <a:prstGeom prst="rect">
@@ -7312,7 +7312,7 @@
         </p:nvGrpSpPr>
         <p:grpSpPr>
           <a:xfrm>
-            <a:off x="14609680" y="6963303"/>
+            <a:off x="15081852" y="6965664"/>
             <a:ext cx="15278008" cy="3777038"/>
             <a:chOff x="15285573" y="8106615"/>
             <a:chExt cx="15278008" cy="3777038"/>
@@ -8142,8 +8142,8 @@
                 <a:chExt cx="15480021" cy="430887"/>
               </a:xfrm>
             </p:grpSpPr>
-            <mc:AlternateContent xmlns:mc="http://schemas.openxmlformats.org/markup-compatibility/2006" xmlns:a14="http://schemas.microsoft.com/office/drawing/2010/main">
-              <mc:Choice Requires="a14">
+            <mc:AlternateContent xmlns:mc="http://schemas.openxmlformats.org/markup-compatibility/2006">
+              <mc:Choice xmlns:a14="http://schemas.microsoft.com/office/drawing/2010/main" Requires="a14">
                 <p:sp>
                   <p:nvSpPr>
                     <p:cNvPr id="1233" name="TextBox 1232">
@@ -8253,7 +8253,7 @@
                   </p:txBody>
                 </p:sp>
               </mc:Choice>
-              <mc:Fallback xmlns="">
+              <mc:Fallback>
                 <p:sp>
                   <p:nvSpPr>
                     <p:cNvPr id="1233" name="TextBox 1232">
@@ -8433,7 +8433,7 @@
         </p:nvGrpSpPr>
         <p:grpSpPr>
           <a:xfrm>
-            <a:off x="28662185" y="15333231"/>
+            <a:off x="28968229" y="15580696"/>
             <a:ext cx="14323832" cy="236550"/>
             <a:chOff x="1291547" y="7743488"/>
             <a:chExt cx="40867566" cy="236550"/>
@@ -8610,7 +8610,7 @@
         </p:nvSpPr>
         <p:spPr>
           <a:xfrm>
-            <a:off x="14519109" y="12196912"/>
+            <a:off x="14991281" y="12095738"/>
             <a:ext cx="11039768" cy="923330"/>
           </a:xfrm>
           <a:prstGeom prst="rect">
@@ -8653,7 +8653,7 @@
         </p:nvGrpSpPr>
         <p:grpSpPr>
           <a:xfrm>
-            <a:off x="14609680" y="22035843"/>
+            <a:off x="15149167" y="21697600"/>
             <a:ext cx="13021665" cy="236550"/>
             <a:chOff x="1291547" y="7743488"/>
             <a:chExt cx="40867566" cy="236550"/>
@@ -8830,7 +8830,7 @@
         </p:nvSpPr>
         <p:spPr>
           <a:xfrm>
-            <a:off x="14553479" y="22492642"/>
+            <a:off x="15025651" y="22256000"/>
             <a:ext cx="11039768" cy="923330"/>
           </a:xfrm>
           <a:prstGeom prst="rect">
@@ -8873,7 +8873,7 @@
         </p:nvSpPr>
         <p:spPr>
           <a:xfrm>
-            <a:off x="28677570" y="9943822"/>
+            <a:off x="29047439" y="10159623"/>
             <a:ext cx="11039768" cy="923330"/>
           </a:xfrm>
           <a:prstGeom prst="rect">
@@ -8916,7 +8916,7 @@
         </p:nvSpPr>
         <p:spPr>
           <a:xfrm>
-            <a:off x="28677570" y="15887028"/>
+            <a:off x="29185505" y="16166949"/>
             <a:ext cx="11039768" cy="923330"/>
           </a:xfrm>
           <a:prstGeom prst="rect">
@@ -8961,7 +8961,7 @@
         </p:nvSpPr>
         <p:spPr>
           <a:xfrm>
-            <a:off x="28762911" y="20886009"/>
+            <a:off x="29475688" y="20797844"/>
             <a:ext cx="11039768" cy="923330"/>
           </a:xfrm>
           <a:prstGeom prst="rect">
@@ -8999,7 +8999,7 @@
         </p:nvGrpSpPr>
         <p:grpSpPr>
           <a:xfrm>
-            <a:off x="28662185" y="9464799"/>
+            <a:off x="28966939" y="9475915"/>
             <a:ext cx="14323832" cy="236550"/>
             <a:chOff x="1291547" y="7743488"/>
             <a:chExt cx="40867566" cy="236550"/>
@@ -9176,7 +9176,7 @@
         </p:nvGrpSpPr>
         <p:grpSpPr>
           <a:xfrm>
-            <a:off x="28719681" y="20390546"/>
+            <a:off x="29024435" y="20401662"/>
             <a:ext cx="14323832" cy="236550"/>
             <a:chOff x="1291547" y="7743488"/>
             <a:chExt cx="40867566" cy="236550"/>
@@ -9353,7 +9353,7 @@
         </p:nvGrpSpPr>
         <p:grpSpPr>
           <a:xfrm>
-            <a:off x="14553479" y="11659997"/>
+            <a:off x="15025651" y="11389488"/>
             <a:ext cx="13021665" cy="236550"/>
             <a:chOff x="1291547" y="7743488"/>
             <a:chExt cx="40867566" cy="236550"/>
@@ -9538,7 +9538,7 @@
         </p:blipFill>
         <p:spPr>
           <a:xfrm>
-            <a:off x="23221771" y="28302378"/>
+            <a:off x="23221771" y="28618899"/>
             <a:ext cx="9602632" cy="5401480"/>
           </a:xfrm>
           <a:prstGeom prst="rect">
@@ -9560,7 +9560,7 @@
         </p:nvGrpSpPr>
         <p:grpSpPr>
           <a:xfrm>
-            <a:off x="14219744" y="24723011"/>
+            <a:off x="14691916" y="24697383"/>
             <a:ext cx="13978275" cy="4929918"/>
             <a:chOff x="14923799" y="25807672"/>
             <a:chExt cx="13037113" cy="3965559"/>
@@ -9649,8 +9649,8 @@
         </p:blipFill>
         <p:spPr>
           <a:xfrm>
-            <a:off x="28624502" y="6704270"/>
-            <a:ext cx="13686188" cy="2246650"/>
+            <a:off x="28929256" y="6715385"/>
+            <a:ext cx="13902476" cy="2282155"/>
           </a:xfrm>
           <a:prstGeom prst="rect">
             <a:avLst/>
@@ -9671,7 +9671,7 @@
         </p:nvSpPr>
         <p:spPr>
           <a:xfrm>
-            <a:off x="14553479" y="23559601"/>
+            <a:off x="15025651" y="23322959"/>
             <a:ext cx="13474754" cy="1938992"/>
           </a:xfrm>
           <a:prstGeom prst="rect">
@@ -9752,7 +9752,7 @@
         </p:nvSpPr>
         <p:spPr>
           <a:xfrm>
-            <a:off x="14556710" y="23996498"/>
+            <a:off x="15028882" y="23759856"/>
             <a:ext cx="12652770" cy="707886"/>
           </a:xfrm>
           <a:prstGeom prst="rect">
@@ -9804,7 +9804,7 @@
         </p:nvSpPr>
         <p:spPr>
           <a:xfrm>
-            <a:off x="36225465" y="11201756"/>
+            <a:off x="36583287" y="11417346"/>
             <a:ext cx="6451013" cy="2862322"/>
           </a:xfrm>
           <a:prstGeom prst="rect">
@@ -9880,7 +9880,7 @@
         </p:nvSpPr>
         <p:spPr>
           <a:xfrm>
-            <a:off x="36225465" y="13173214"/>
+            <a:off x="36468996" y="13490285"/>
             <a:ext cx="7341382" cy="1200329"/>
           </a:xfrm>
           <a:prstGeom prst="rect">
@@ -9930,7 +9930,7 @@
         </p:blipFill>
         <p:spPr>
           <a:xfrm>
-            <a:off x="28624502" y="10917367"/>
+            <a:off x="28982324" y="11132957"/>
             <a:ext cx="7166272" cy="3883632"/>
           </a:xfrm>
           <a:prstGeom prst="rect">
@@ -9952,7 +9952,7 @@
         </p:nvGrpSpPr>
         <p:grpSpPr>
           <a:xfrm>
-            <a:off x="28857167" y="25108361"/>
+            <a:off x="29161921" y="25119477"/>
             <a:ext cx="14323832" cy="236550"/>
             <a:chOff x="1291547" y="7743488"/>
             <a:chExt cx="40867566" cy="236550"/>
@@ -10129,7 +10129,7 @@
         </p:nvSpPr>
         <p:spPr>
           <a:xfrm>
-            <a:off x="28857167" y="25702228"/>
+            <a:off x="29519912" y="25705730"/>
             <a:ext cx="11037597" cy="923330"/>
           </a:xfrm>
           <a:prstGeom prst="rect">
@@ -10171,7 +10171,7 @@
         </p:nvSpPr>
         <p:spPr>
           <a:xfrm>
-            <a:off x="36439699" y="17085835"/>
+            <a:off x="36767924" y="17232454"/>
             <a:ext cx="5847520" cy="2400627"/>
           </a:xfrm>
           <a:prstGeom prst="rect">
@@ -10272,7 +10272,7 @@
         </p:blipFill>
         <p:spPr>
           <a:xfrm>
-            <a:off x="29113939" y="22427085"/>
+            <a:off x="29553224" y="22237799"/>
             <a:ext cx="7772400" cy="827267"/>
           </a:xfrm>
           <a:prstGeom prst="rect">
@@ -10296,7 +10296,7 @@
             </p:nvSpPr>
             <p:spPr>
               <a:xfrm>
-                <a:off x="29273617" y="23726097"/>
+                <a:off x="29712902" y="23536811"/>
                 <a:ext cx="5528500" cy="615553"/>
               </a:xfrm>
               <a:prstGeom prst="rect">
@@ -10310,7 +10310,6 @@
               </a:bodyPr>
               <a:lstStyle/>
               <a:p>
-                <a:pPr/>
                 <a14:m>
                   <m:oMathPara xmlns:m="http://schemas.openxmlformats.org/officeDocument/2006/math">
                     <m:oMathParaPr>
@@ -10406,7 +10405,7 @@
             </p:nvSpPr>
             <p:spPr>
               <a:xfrm>
-                <a:off x="29273617" y="23726097"/>
+                <a:off x="29712902" y="23536811"/>
                 <a:ext cx="5528500" cy="615553"/>
               </a:xfrm>
               <a:prstGeom prst="rect">
@@ -10415,7 +10414,7 @@
               <a:blipFill>
                 <a:blip r:embed="rId25"/>
                 <a:stretch>
-                  <a:fillRect l="-686" b="-16327"/>
+                  <a:fillRect l="-688" b="-16327"/>
                 </a:stretch>
               </a:blipFill>
             </p:spPr>
@@ -10448,7 +10447,7 @@
         </p:nvSpPr>
         <p:spPr>
           <a:xfrm>
-            <a:off x="36951578" y="22167853"/>
+            <a:off x="37390863" y="21978567"/>
             <a:ext cx="5837558" cy="1200329"/>
           </a:xfrm>
           <a:prstGeom prst="rect">
@@ -10505,7 +10504,7 @@
         </p:nvSpPr>
         <p:spPr>
           <a:xfrm>
-            <a:off x="35167746" y="23483094"/>
+            <a:off x="35607031" y="23293808"/>
             <a:ext cx="7367489" cy="1200329"/>
           </a:xfrm>
           <a:prstGeom prst="rect">
@@ -10570,7 +10569,7 @@
         </p:blipFill>
         <p:spPr>
           <a:xfrm>
-            <a:off x="28762911" y="16950896"/>
+            <a:off x="29091136" y="17097515"/>
             <a:ext cx="7604241" cy="2864021"/>
           </a:xfrm>
           <a:prstGeom prst="rect">
@@ -10592,7 +10591,7 @@
         </p:nvGrpSpPr>
         <p:grpSpPr>
           <a:xfrm>
-            <a:off x="29048468" y="26785910"/>
+            <a:off x="29477214" y="26824897"/>
             <a:ext cx="14019232" cy="2776182"/>
             <a:chOff x="29485518" y="27112472"/>
             <a:chExt cx="14019232" cy="2776182"/>
@@ -10651,7 +10650,7 @@
                   <a:latin typeface="Arial" panose="020B0604020202020204" pitchFamily="34" charset="0"/>
                   <a:cs typeface="Arial" panose="020B0604020202020204" pitchFamily="34" charset="0"/>
                 </a:rPr>
-                <a:t>Reject option (null set) for a more trustworthy model.</a:t>
+                <a:t>Reject option (null set) for more trustworthy model.</a:t>
               </a:r>
             </a:p>
           </p:txBody>
@@ -10834,8 +10833,8 @@
         </p:nvGrpSpPr>
         <p:grpSpPr>
           <a:xfrm>
-            <a:off x="129488" y="29853087"/>
-            <a:ext cx="43632224" cy="121386"/>
+            <a:off x="129488" y="29975256"/>
+            <a:ext cx="43632224" cy="236550"/>
             <a:chOff x="1291547" y="7743488"/>
             <a:chExt cx="40867566" cy="236550"/>
           </a:xfrm>
